--- a/brigade/dev/design files bde.pptx
+++ b/brigade/dev/design files bde.pptx
@@ -260,7 +260,7 @@
           <a:p>
             <a:fld id="{2589191C-D532-4712-B1FA-FFB8169F585C}" type="datetimeFigureOut">
               <a:rPr lang="en-US" smtClean="0"/>
-              <a:t>8/25/2021</a:t>
+              <a:t>8/26/2021</a:t>
             </a:fld>
             <a:endParaRPr lang="en-US"/>
           </a:p>
@@ -430,7 +430,7 @@
           <a:p>
             <a:fld id="{2589191C-D532-4712-B1FA-FFB8169F585C}" type="datetimeFigureOut">
               <a:rPr lang="en-US" smtClean="0"/>
-              <a:t>8/25/2021</a:t>
+              <a:t>8/26/2021</a:t>
             </a:fld>
             <a:endParaRPr lang="en-US"/>
           </a:p>
@@ -610,7 +610,7 @@
           <a:p>
             <a:fld id="{2589191C-D532-4712-B1FA-FFB8169F585C}" type="datetimeFigureOut">
               <a:rPr lang="en-US" smtClean="0"/>
-              <a:t>8/25/2021</a:t>
+              <a:t>8/26/2021</a:t>
             </a:fld>
             <a:endParaRPr lang="en-US"/>
           </a:p>
@@ -780,7 +780,7 @@
           <a:p>
             <a:fld id="{2589191C-D532-4712-B1FA-FFB8169F585C}" type="datetimeFigureOut">
               <a:rPr lang="en-US" smtClean="0"/>
-              <a:t>8/25/2021</a:t>
+              <a:t>8/26/2021</a:t>
             </a:fld>
             <a:endParaRPr lang="en-US"/>
           </a:p>
@@ -1024,7 +1024,7 @@
           <a:p>
             <a:fld id="{2589191C-D532-4712-B1FA-FFB8169F585C}" type="datetimeFigureOut">
               <a:rPr lang="en-US" smtClean="0"/>
-              <a:t>8/25/2021</a:t>
+              <a:t>8/26/2021</a:t>
             </a:fld>
             <a:endParaRPr lang="en-US"/>
           </a:p>
@@ -1256,7 +1256,7 @@
           <a:p>
             <a:fld id="{2589191C-D532-4712-B1FA-FFB8169F585C}" type="datetimeFigureOut">
               <a:rPr lang="en-US" smtClean="0"/>
-              <a:t>8/25/2021</a:t>
+              <a:t>8/26/2021</a:t>
             </a:fld>
             <a:endParaRPr lang="en-US"/>
           </a:p>
@@ -1623,7 +1623,7 @@
           <a:p>
             <a:fld id="{2589191C-D532-4712-B1FA-FFB8169F585C}" type="datetimeFigureOut">
               <a:rPr lang="en-US" smtClean="0"/>
-              <a:t>8/25/2021</a:t>
+              <a:t>8/26/2021</a:t>
             </a:fld>
             <a:endParaRPr lang="en-US"/>
           </a:p>
@@ -1741,7 +1741,7 @@
           <a:p>
             <a:fld id="{2589191C-D532-4712-B1FA-FFB8169F585C}" type="datetimeFigureOut">
               <a:rPr lang="en-US" smtClean="0"/>
-              <a:t>8/25/2021</a:t>
+              <a:t>8/26/2021</a:t>
             </a:fld>
             <a:endParaRPr lang="en-US"/>
           </a:p>
@@ -1836,7 +1836,7 @@
           <a:p>
             <a:fld id="{2589191C-D532-4712-B1FA-FFB8169F585C}" type="datetimeFigureOut">
               <a:rPr lang="en-US" smtClean="0"/>
-              <a:t>8/25/2021</a:t>
+              <a:t>8/26/2021</a:t>
             </a:fld>
             <a:endParaRPr lang="en-US"/>
           </a:p>
@@ -2113,7 +2113,7 @@
           <a:p>
             <a:fld id="{2589191C-D532-4712-B1FA-FFB8169F585C}" type="datetimeFigureOut">
               <a:rPr lang="en-US" smtClean="0"/>
-              <a:t>8/25/2021</a:t>
+              <a:t>8/26/2021</a:t>
             </a:fld>
             <a:endParaRPr lang="en-US"/>
           </a:p>
@@ -2370,7 +2370,7 @@
           <a:p>
             <a:fld id="{2589191C-D532-4712-B1FA-FFB8169F585C}" type="datetimeFigureOut">
               <a:rPr lang="en-US" smtClean="0"/>
-              <a:t>8/25/2021</a:t>
+              <a:t>8/26/2021</a:t>
             </a:fld>
             <a:endParaRPr lang="en-US"/>
           </a:p>
@@ -2583,7 +2583,7 @@
           <a:p>
             <a:fld id="{2589191C-D532-4712-B1FA-FFB8169F585C}" type="datetimeFigureOut">
               <a:rPr lang="en-US" smtClean="0"/>
-              <a:t>8/25/2021</a:t>
+              <a:t>8/26/2021</a:t>
             </a:fld>
             <a:endParaRPr lang="en-US"/>
           </a:p>
@@ -7137,7 +7137,7 @@
                   <a:latin typeface="Arial" panose="020B0604020202020204" pitchFamily="34" charset="0"/>
                   <a:cs typeface="Arial" panose="020B0604020202020204" pitchFamily="34" charset="0"/>
                 </a:rPr>
-                <a:t>ECHELON: BATTALION</a:t>
+                <a:t>ECHELON: BRIGADE</a:t>
               </a:r>
             </a:p>
             <a:p>
@@ -7435,7 +7435,7 @@
                   <a:latin typeface="Arial" panose="020B0604020202020204" pitchFamily="34" charset="0"/>
                   <a:cs typeface="Arial" panose="020B0604020202020204" pitchFamily="34" charset="0"/>
                 </a:rPr>
-                <a:t>ECHELON: BATTALION</a:t>
+                <a:t>ECHELON: BRIGADE</a:t>
               </a:r>
             </a:p>
             <a:p>
@@ -7733,7 +7733,7 @@
                   <a:latin typeface="Arial" panose="020B0604020202020204" pitchFamily="34" charset="0"/>
                   <a:cs typeface="Arial" panose="020B0604020202020204" pitchFamily="34" charset="0"/>
                 </a:rPr>
-                <a:t>ECHELON: BATTALION</a:t>
+                <a:t>ECHELON: BRIGADE</a:t>
               </a:r>
             </a:p>
             <a:p>
@@ -8027,7 +8027,7 @@
                   <a:latin typeface="Arial" panose="020B0604020202020204" pitchFamily="34" charset="0"/>
                   <a:cs typeface="Arial" panose="020B0604020202020204" pitchFamily="34" charset="0"/>
                 </a:rPr>
-                <a:t>PRODUCT: BATTALION STAFF &amp; OPERATIONS</a:t>
+                <a:t>PRODUCT: BRIGADE STAFF &amp; OPERATIONS</a:t>
               </a:r>
             </a:p>
             <a:p>
@@ -8069,7 +8069,7 @@
                   <a:latin typeface="Arial" panose="020B0604020202020204" pitchFamily="34" charset="0"/>
                   <a:cs typeface="Arial" panose="020B0604020202020204" pitchFamily="34" charset="0"/>
                 </a:rPr>
-                <a:t>ECHELON: BATTALION</a:t>
+                <a:t>ECHELON: BRIGADE</a:t>
               </a:r>
             </a:p>
             <a:p>
@@ -8325,7 +8325,7 @@
                   <a:latin typeface="Arial" panose="020B0604020202020204" pitchFamily="34" charset="0"/>
                   <a:cs typeface="Arial" panose="020B0604020202020204" pitchFamily="34" charset="0"/>
                 </a:rPr>
-                <a:t>PRODUCT: RESILIENCE</a:t>
+                <a:t>PRODUCT: PROFESSIONAL DEVELOPMENT</a:t>
               </a:r>
             </a:p>
             <a:p>
@@ -8367,7 +8367,7 @@
                   <a:latin typeface="Arial" panose="020B0604020202020204" pitchFamily="34" charset="0"/>
                   <a:cs typeface="Arial" panose="020B0604020202020204" pitchFamily="34" charset="0"/>
                 </a:rPr>
-                <a:t>ECHELON: BATTALION</a:t>
+                <a:t>ECHELON: BRIGADE</a:t>
               </a:r>
             </a:p>
             <a:p>
@@ -8665,7 +8665,7 @@
                   <a:latin typeface="Arial" panose="020B0604020202020204" pitchFamily="34" charset="0"/>
                   <a:cs typeface="Arial" panose="020B0604020202020204" pitchFamily="34" charset="0"/>
                 </a:rPr>
-                <a:t>ECHELON: BATTALION</a:t>
+                <a:t>ECHELON: BRIGADE</a:t>
               </a:r>
             </a:p>
             <a:p>
